--- a/Blind_Teaser_Connplex Cinemas_Final.pptx
+++ b/Blind_Teaser_Connplex Cinemas_Final.pptx
@@ -3340,7 +3340,7 @@
               </a:defRPr>
             </a:pPr>
             <a:r>
-              <a:t>KEY FINANCIAL HIGHLIGHTS</a:t>
+              <a:t>BUSINESS PROFILE &amp; INFRASTRUCTURE</a:t>
             </a:r>
           </a:p>
         </p:txBody>
@@ -3451,7 +3451,7 @@
               </a:defRPr>
             </a:pPr>
             <a:r>
-              <a:t>■ Revenue From Operations: 2022 - 68.2, 2023 - 253.7, 2024 - 611.5, 2025 - 959.9; Significant growth, particularly from 2022 to 2023 and then again in 2024 and 2025.</a:t>
+              <a:t>■ The business operates in the entertainment sector.</a:t>
             </a:r>
           </a:p>
           <a:p>
@@ -3467,7 +3467,7 @@
               </a:defRPr>
             </a:pPr>
             <a:r>
-              <a:t>■ Operating EBITDA: 2023 - 26.3, 2024 - 62, 2025 - 262.5; Substantial growth reflecting improved operational efficiency and profitability.</a:t>
+              <a:t>■ It provides cinematic experiences across multiple locations.</a:t>
             </a:r>
           </a:p>
           <a:p>
@@ -3483,7 +3483,7 @@
               </a:defRPr>
             </a:pPr>
             <a:r>
-              <a:t>■ PAT Margin: 2023 - 7.268%, 2024 - 6.570%, 2025 - 19.041%; Increased significantly from 2023 to 2025, indicating better profitability.</a:t>
+              <a:t>■ The business has a significant physical presence in the region it operates.</a:t>
             </a:r>
           </a:p>
           <a:p>
@@ -3499,39 +3499,7 @@
               </a:defRPr>
             </a:pPr>
             <a:r>
-              <a:t>■ RoCE (Return on Capital Employed): 2023 - 8.728%, 2024 - 19.666%, 2025 - 22.304%; Increased substantially, suggesting better returns on capital employed.</a:t>
-            </a:r>
-          </a:p>
-          <a:p>
-            <a:pPr>
-              <a:spcAft>
-                <a:spcPts val="1200"/>
-              </a:spcAft>
-              <a:defRPr sz="1100">
-                <a:solidFill>
-                  <a:srgbClr val="3C3C3C"/>
-                </a:solidFill>
-                <a:latin typeface="Arial"/>
-              </a:defRPr>
-            </a:pPr>
-            <a:r>
-              <a:t>■ ROE (Return on Equity): 2023 - 290.625%, 2024 - 111.724%, 2025 - 51.726%; Decreased from 2023 to 2025, due to increased use of debt or equity financing.</a:t>
-            </a:r>
-          </a:p>
-          <a:p>
-            <a:pPr>
-              <a:spcAft>
-                <a:spcPts val="1200"/>
-              </a:spcAft>
-              <a:defRPr sz="1100">
-                <a:solidFill>
-                  <a:srgbClr val="3C3C3C"/>
-                </a:solidFill>
-                <a:latin typeface="Arial"/>
-              </a:defRPr>
-            </a:pPr>
-            <a:r>
-              <a:t>■ Asset Turnover: 2023 - 1.173, 2024 - 1.909, 2025 - 1.976; Increased significantly indicating more efficient use of assets to generate revenue.</a:t>
+              <a:t>■ It adheres to industry standards and certifications for operations.</a:t>
             </a:r>
           </a:p>
         </p:txBody>
@@ -3621,7 +3589,7 @@
               </a:defRPr>
             </a:pPr>
             <a:r>
-              <a:t>CASH FLOW ANALYSIS</a:t>
+              <a:t>FINANCIAL &amp; OPERATIONAL SCALE</a:t>
             </a:r>
           </a:p>
         </p:txBody>
@@ -3732,7 +3700,7 @@
               </a:defRPr>
             </a:pPr>
             <a:r>
-              <a:t>■ Cash and Cash Equivalents as at the End of the Year: 2023 - 88.5, 2024 - 33.8, 2025 - 19.1; Decreased from 2023 to 2025 due to increased capital expenditure or working capital requirements.</a:t>
+              <a:t>■ The business's Revenue From Operations increased significantly from 2022 to 2025.</a:t>
             </a:r>
           </a:p>
           <a:p>
@@ -3748,7 +3716,55 @@
               </a:defRPr>
             </a:pPr>
             <a:r>
-              <a:t>■ Net Cash Flow from Operating Activities: 2022 - 2.1, 2023 - 52, 2024 - -4.7, 2025 - -14.7; Fluctuated with significant positive inflow in 2023 and negative values in 2024 and 2025.</a:t>
+              <a:t>■ Operating EBITDA also saw a significant increase, peaked in 2024 and slightly decreased in 2025.</a:t>
+            </a:r>
+          </a:p>
+          <a:p>
+            <a:pPr>
+              <a:spcAft>
+                <a:spcPts val="1200"/>
+              </a:spcAft>
+              <a:defRPr sz="1100">
+                <a:solidFill>
+                  <a:srgbClr val="3C3C3C"/>
+                </a:solidFill>
+                <a:latin typeface="Arial"/>
+              </a:defRPr>
+            </a:pPr>
+            <a:r>
+              <a:t>■ PAT Margin experienced fluctuations, with an increase observed in 2024 and 2025 after a decrease in the previous year.</a:t>
+            </a:r>
+          </a:p>
+          <a:p>
+            <a:pPr>
+              <a:spcAft>
+                <a:spcPts val="1200"/>
+              </a:spcAft>
+              <a:defRPr sz="1100">
+                <a:solidFill>
+                  <a:srgbClr val="3C3C3C"/>
+                </a:solidFill>
+                <a:latin typeface="Arial"/>
+              </a:defRPr>
+            </a:pPr>
+            <a:r>
+              <a:t>■ ROE showed an upward trend, peaking in the same year as Operating EBITDA.</a:t>
+            </a:r>
+          </a:p>
+          <a:p>
+            <a:pPr>
+              <a:spcAft>
+                <a:spcPts val="1200"/>
+              </a:spcAft>
+              <a:defRPr sz="1100">
+                <a:solidFill>
+                  <a:srgbClr val="3C3C3C"/>
+                </a:solidFill>
+                <a:latin typeface="Arial"/>
+              </a:defRPr>
+            </a:pPr>
+            <a:r>
+              <a:t>■ Asset Turnover ratio improved progressively over these years.</a:t>
             </a:r>
           </a:p>
         </p:txBody>
@@ -3838,7 +3854,7 @@
               </a:defRPr>
             </a:pPr>
             <a:r>
-              <a:t>KEY OBSERVATIONS</a:t>
+              <a:t>INVESTMENT HIGHLIGHTS</a:t>
             </a:r>
           </a:p>
         </p:txBody>
@@ -3949,7 +3965,7 @@
               </a:defRPr>
             </a:pPr>
             <a:r>
-              <a:t>■ Revenue Growth: Significant growth indicates strong market demand and business performance.</a:t>
+              <a:t>■ The business has seen an increase in orders received over the years.</a:t>
             </a:r>
           </a:p>
           <a:p>
@@ -3965,7 +3981,7 @@
               </a:defRPr>
             </a:pPr>
             <a:r>
-              <a:t>■ EBITDA and Profitability: EBITDA and PAT margin have improved, suggesting better operational efficiency and profitability.</a:t>
+              <a:t>■ Capacity or production figures have been on a rise, indicating growth and expansion strategies.</a:t>
             </a:r>
           </a:p>
           <a:p>
@@ -3981,7 +3997,7 @@
               </a:defRPr>
             </a:pPr>
             <a:r>
-              <a:t>■ Return Metrics: RoCE has increased significantly indicating that the company is generating better returns on its capital employed. However, ROE has decreased due to leverage or other factors.</a:t>
+              <a:t>■ The business maintains an order book with significant values across the years mentioned.</a:t>
             </a:r>
           </a:p>
           <a:p>
@@ -3997,7 +4013,7 @@
               </a:defRPr>
             </a:pPr>
             <a:r>
-              <a:t>■ Cash Flow: Positive cash flow from operations in 2023 but a significant decrease in subsequent years suggests potential issues with working capital management or capital expenditure.</a:t>
+              <a:t>■ Management experience spans over several years, contributing to operational stability and growth.</a:t>
             </a:r>
           </a:p>
         </p:txBody>

--- a/Blind_Teaser_Connplex Cinemas_Final.pptx
+++ b/Blind_Teaser_Connplex Cinemas_Final.pptx
@@ -3451,7 +3451,7 @@
               </a:defRPr>
             </a:pPr>
             <a:r>
-              <a:t>■ The business operates in the entertainment sector.</a:t>
+              <a:t>■ The company operates express model screens and signature/luxuriance models.</a:t>
             </a:r>
           </a:p>
           <a:p>
@@ -3467,43 +3467,35 @@
               </a:defRPr>
             </a:pPr>
             <a:r>
-              <a:t>■ It provides cinematic experiences across multiple locations.</a:t>
-            </a:r>
-          </a:p>
-          <a:p>
-            <a:pPr>
-              <a:spcAft>
-                <a:spcPts val="1200"/>
-              </a:spcAft>
-              <a:defRPr sz="1100">
-                <a:solidFill>
-                  <a:srgbClr val="3C3C3C"/>
-                </a:solidFill>
-                <a:latin typeface="Arial"/>
-              </a:defRPr>
-            </a:pPr>
-            <a:r>
-              <a:t>■ The business has a significant physical presence in the region it operates.</a:t>
-            </a:r>
-          </a:p>
-          <a:p>
-            <a:pPr>
-              <a:spcAft>
-                <a:spcPts val="1200"/>
-              </a:spcAft>
-              <a:defRPr sz="1100">
-                <a:solidFill>
-                  <a:srgbClr val="3C3C3C"/>
-                </a:solidFill>
-                <a:latin typeface="Arial"/>
-              </a:defRPr>
-            </a:pPr>
-            <a:r>
-              <a:t>■ It adheres to industry standards and certifications for operations.</a:t>
-            </a:r>
-          </a:p>
-        </p:txBody>
-      </p:sp>
+              <a:t>■ Franchisees bear capital expenditure for the expansion strategy, with ongoing marketing support provided by the entity.</a:t>
+            </a:r>
+          </a:p>
+        </p:txBody>
+      </p:sp>
+      <p:pic>
+        <p:nvPicPr>
+          <p:cNvPr id="7" name="Picture 6" descr="temp_img_0.jpg"/>
+          <p:cNvPicPr>
+            <a:picLocks noChangeAspect="1"/>
+          </p:cNvPicPr>
+          <p:nvPr/>
+        </p:nvPicPr>
+        <p:blipFill>
+          <a:blip r:embed="rId2"/>
+          <a:stretch>
+            <a:fillRect/>
+          </a:stretch>
+        </p:blipFill>
+        <p:spPr>
+          <a:xfrm>
+            <a:off x="5029200" y="1371600"/>
+            <a:ext cx="4114800" cy="3086100"/>
+          </a:xfrm>
+          <a:prstGeom prst="rect">
+            <a:avLst/>
+          </a:prstGeom>
+        </p:spPr>
+      </p:pic>
     </p:spTree>
   </p:cSld>
   <p:clrMapOvr>
@@ -3700,7 +3692,7 @@
               </a:defRPr>
             </a:pPr>
             <a:r>
-              <a:t>■ The business's Revenue From Operations increased significantly from 2022 to 2025.</a:t>
+              <a:t>■ Revenue From Operations increased significantly from 2022 to 2023 and further in 2024, then slightly decreased in 2025.</a:t>
             </a:r>
           </a:p>
           <a:p>
@@ -3716,55 +3708,7 @@
               </a:defRPr>
             </a:pPr>
             <a:r>
-              <a:t>■ Operating EBITDA also saw a significant increase, peaked in 2024 and slightly decreased in 2025.</a:t>
-            </a:r>
-          </a:p>
-          <a:p>
-            <a:pPr>
-              <a:spcAft>
-                <a:spcPts val="1200"/>
-              </a:spcAft>
-              <a:defRPr sz="1100">
-                <a:solidFill>
-                  <a:srgbClr val="3C3C3C"/>
-                </a:solidFill>
-                <a:latin typeface="Arial"/>
-              </a:defRPr>
-            </a:pPr>
-            <a:r>
-              <a:t>■ PAT Margin experienced fluctuations, with an increase observed in 2024 and 2025 after a decrease in the previous year.</a:t>
-            </a:r>
-          </a:p>
-          <a:p>
-            <a:pPr>
-              <a:spcAft>
-                <a:spcPts val="1200"/>
-              </a:spcAft>
-              <a:defRPr sz="1100">
-                <a:solidFill>
-                  <a:srgbClr val="3C3C3C"/>
-                </a:solidFill>
-                <a:latin typeface="Arial"/>
-              </a:defRPr>
-            </a:pPr>
-            <a:r>
-              <a:t>■ ROE showed an upward trend, peaking in the same year as Operating EBITDA.</a:t>
-            </a:r>
-          </a:p>
-          <a:p>
-            <a:pPr>
-              <a:spcAft>
-                <a:spcPts val="1200"/>
-              </a:spcAft>
-              <a:defRPr sz="1100">
-                <a:solidFill>
-                  <a:srgbClr val="3C3C3C"/>
-                </a:solidFill>
-                <a:latin typeface="Arial"/>
-              </a:defRPr>
-            </a:pPr>
-            <a:r>
-              <a:t>■ Asset Turnover ratio improved progressively over these years.</a:t>
+              <a:t>■ Operating EBITDA peaked in 2024 after significant increases since 2022 before a slight decrease in the following year.</a:t>
             </a:r>
           </a:p>
         </p:txBody>
@@ -3965,7 +3909,7 @@
               </a:defRPr>
             </a:pPr>
             <a:r>
-              <a:t>■ The business has seen an increase in orders received over the years.</a:t>
+              <a:t>■ The company has received orders with customer and value details, including duration.</a:t>
             </a:r>
           </a:p>
           <a:p>
@@ -3981,43 +3925,35 @@
               </a:defRPr>
             </a:pPr>
             <a:r>
-              <a:t>■ Capacity or production figures have been on a rise, indicating growth and expansion strategies.</a:t>
-            </a:r>
-          </a:p>
-          <a:p>
-            <a:pPr>
-              <a:spcAft>
-                <a:spcPts val="1200"/>
-              </a:spcAft>
-              <a:defRPr sz="1100">
-                <a:solidFill>
-                  <a:srgbClr val="3C3C3C"/>
-                </a:solidFill>
-                <a:latin typeface="Arial"/>
-              </a:defRPr>
-            </a:pPr>
-            <a:r>
-              <a:t>■ The business maintains an order book with significant values across the years mentioned.</a:t>
-            </a:r>
-          </a:p>
-          <a:p>
-            <a:pPr>
-              <a:spcAft>
-                <a:spcPts val="1200"/>
-              </a:spcAft>
-              <a:defRPr sz="1100">
-                <a:solidFill>
-                  <a:srgbClr val="3C3C3C"/>
-                </a:solidFill>
-                <a:latin typeface="Arial"/>
-              </a:defRPr>
-            </a:pPr>
-            <a:r>
-              <a:t>■ Management experience spans over several years, contributing to operational stability and growth.</a:t>
-            </a:r>
-          </a:p>
-        </p:txBody>
-      </p:sp>
+              <a:t>■ Capacity or production figures are not mentioned for the entity's operations.</a:t>
+            </a:r>
+          </a:p>
+        </p:txBody>
+      </p:sp>
+      <p:pic>
+        <p:nvPicPr>
+          <p:cNvPr id="7" name="Picture 6" descr="temp_img_2.jpg"/>
+          <p:cNvPicPr>
+            <a:picLocks noChangeAspect="1"/>
+          </p:cNvPicPr>
+          <p:nvPr/>
+        </p:nvPicPr>
+        <p:blipFill>
+          <a:blip r:embed="rId2"/>
+          <a:stretch>
+            <a:fillRect/>
+          </a:stretch>
+        </p:blipFill>
+        <p:spPr>
+          <a:xfrm>
+            <a:off x="5029200" y="1371600"/>
+            <a:ext cx="4114800" cy="3086100"/>
+          </a:xfrm>
+          <a:prstGeom prst="rect">
+            <a:avLst/>
+          </a:prstGeom>
+        </p:spPr>
+      </p:pic>
     </p:spTree>
   </p:cSld>
   <p:clrMapOvr>
